--- a/AMLI Capstone PowerPoint.pptx
+++ b/AMLI Capstone PowerPoint.pptx
@@ -264,8 +264,11 @@
     </a:lvl9pPr>
   </p:defaultTextStyle>
   <p:extLst>
+    <p:ext uri="{EFAFB233-063F-42B5-8137-9DF3F51BA10A}">
+      <p15:sldGuideLst xmlns:p15="http://schemas.microsoft.com/office/powerpoint/2012/main"/>
+    </p:ext>
     <p:ext uri="http://customooxmlschemas.google.com/">
-      <go:slidesCustomData xmlns:go="http://customooxmlschemas.google.com/" xmlns:ahyp="http://schemas.microsoft.com/office/drawing/2018/hyperlinkcolor" xmlns:p15="http://schemas.microsoft.com/office/powerpoint/2012/main" xmlns:p14="http://schemas.microsoft.com/office/powerpoint/2010/main" xmlns:com="http://schemas.openxmlformats.org/drawingml/2006/compatibility" xmlns:pvml="urn:schemas-microsoft-com:office:powerpoint" xmlns:v="urn:schemas-microsoft-com:vml" xmlns:o="urn:schemas-microsoft-com:office:office" xmlns:dgm="http://schemas.openxmlformats.org/drawingml/2006/diagram" xmlns:c="http://schemas.openxmlformats.org/drawingml/2006/chart" xmlns:mv="urn:schemas-microsoft-com:mac:vml" xmlns:mc="http://schemas.openxmlformats.org/markup-compatibility/2006" xmlns="" r:id="rId28" roundtripDataSignature="AMtx7mi/b8wcwkZLwidJi0upr0N+tlesTg=="/>
+      <go:slidesCustomData xmlns="" xmlns:mc="http://schemas.openxmlformats.org/markup-compatibility/2006" xmlns:mv="urn:schemas-microsoft-com:mac:vml" xmlns:c="http://schemas.openxmlformats.org/drawingml/2006/chart" xmlns:dgm="http://schemas.openxmlformats.org/drawingml/2006/diagram" xmlns:o="urn:schemas-microsoft-com:office:office" xmlns:v="urn:schemas-microsoft-com:vml" xmlns:pvml="urn:schemas-microsoft-com:office:powerpoint" xmlns:com="http://schemas.openxmlformats.org/drawingml/2006/compatibility" xmlns:p14="http://schemas.microsoft.com/office/powerpoint/2010/main" xmlns:p15="http://schemas.microsoft.com/office/powerpoint/2012/main" xmlns:ahyp="http://schemas.microsoft.com/office/drawing/2018/hyperlinkcolor" xmlns:go="http://customooxmlschemas.google.com/" r:id="rId28" roundtripDataSignature="AMtx7mi/b8wcwkZLwidJi0upr0N+tlesTg=="/>
     </p:ext>
   </p:extLst>
 </p:presentation>
@@ -274,107 +277,10 @@
 <file path=ppt/revisionInfo.xml><?xml version="1.0" encoding="utf-8"?>
 <p1510:revInfo xmlns:a="http://schemas.openxmlformats.org/drawingml/2006/main" xmlns:r="http://schemas.openxmlformats.org/officeDocument/2006/relationships" xmlns:p1510="http://schemas.microsoft.com/office/powerpoint/2015/10/main">
   <p1510:revLst>
+    <p1510:client id="{0A8D2240-AC66-460C-8707-43FBF6F0714D}" v="177" dt="2022-07-15T20:27:26.669"/>
     <p1510:client id="{7F2E9675-2C71-4AEA-ACFC-F95C7E345702}" v="1" dt="2022-07-15T20:00:57.276"/>
   </p1510:revLst>
 </p1510:revInfo>
-</file>
-
-<file path=ppt/changesInfos/changesInfo1.xml><?xml version="1.0" encoding="utf-8"?>
-<pc:chgInfo xmlns:a="http://schemas.openxmlformats.org/drawingml/2006/main" xmlns:r="http://schemas.openxmlformats.org/officeDocument/2006/relationships" xmlns:ac="http://schemas.microsoft.com/office/drawing/2013/main/command" xmlns:pc="http://schemas.microsoft.com/office/powerpoint/2013/main/command">
-  <pc:docChgLst>
-    <pc:chgData name="takiyaeastmond@yahoo.com" userId="0b312b01e6158196" providerId="LiveId" clId="{7F2E9675-2C71-4AEA-ACFC-F95C7E345702}"/>
-    <pc:docChg chg="custSel modSld">
-      <pc:chgData name="takiyaeastmond@yahoo.com" userId="0b312b01e6158196" providerId="LiveId" clId="{7F2E9675-2C71-4AEA-ACFC-F95C7E345702}" dt="2022-07-15T20:01:17.002" v="182" actId="1036"/>
-      <pc:docMkLst>
-        <pc:docMk/>
-      </pc:docMkLst>
-      <pc:sldChg chg="modSp mod">
-        <pc:chgData name="takiyaeastmond@yahoo.com" userId="0b312b01e6158196" providerId="LiveId" clId="{7F2E9675-2C71-4AEA-ACFC-F95C7E345702}" dt="2022-07-15T19:11:27.393" v="22" actId="20577"/>
-        <pc:sldMkLst>
-          <pc:docMk/>
-          <pc:sldMk cId="0" sldId="258"/>
-        </pc:sldMkLst>
-        <pc:spChg chg="mod">
-          <ac:chgData name="takiyaeastmond@yahoo.com" userId="0b312b01e6158196" providerId="LiveId" clId="{7F2E9675-2C71-4AEA-ACFC-F95C7E345702}" dt="2022-07-15T19:11:27.393" v="22" actId="20577"/>
-          <ac:spMkLst>
-            <pc:docMk/>
-            <pc:sldMk cId="0" sldId="258"/>
-            <ac:spMk id="79" creationId="{00000000-0000-0000-0000-000000000000}"/>
-          </ac:spMkLst>
-        </pc:spChg>
-      </pc:sldChg>
-      <pc:sldChg chg="modSp mod">
-        <pc:chgData name="takiyaeastmond@yahoo.com" userId="0b312b01e6158196" providerId="LiveId" clId="{7F2E9675-2C71-4AEA-ACFC-F95C7E345702}" dt="2022-07-15T19:21:04.945" v="101" actId="20577"/>
-        <pc:sldMkLst>
-          <pc:docMk/>
-          <pc:sldMk cId="0" sldId="260"/>
-        </pc:sldMkLst>
-        <pc:spChg chg="mod">
-          <ac:chgData name="takiyaeastmond@yahoo.com" userId="0b312b01e6158196" providerId="LiveId" clId="{7F2E9675-2C71-4AEA-ACFC-F95C7E345702}" dt="2022-07-15T19:21:04.945" v="101" actId="20577"/>
-          <ac:spMkLst>
-            <pc:docMk/>
-            <pc:sldMk cId="0" sldId="260"/>
-            <ac:spMk id="93" creationId="{00000000-0000-0000-0000-000000000000}"/>
-          </ac:spMkLst>
-        </pc:spChg>
-      </pc:sldChg>
-      <pc:sldChg chg="modSp mod">
-        <pc:chgData name="takiyaeastmond@yahoo.com" userId="0b312b01e6158196" providerId="LiveId" clId="{7F2E9675-2C71-4AEA-ACFC-F95C7E345702}" dt="2022-07-15T19:54:03.569" v="113"/>
-        <pc:sldMkLst>
-          <pc:docMk/>
-          <pc:sldMk cId="0" sldId="277"/>
-        </pc:sldMkLst>
-        <pc:spChg chg="mod">
-          <ac:chgData name="takiyaeastmond@yahoo.com" userId="0b312b01e6158196" providerId="LiveId" clId="{7F2E9675-2C71-4AEA-ACFC-F95C7E345702}" dt="2022-07-15T19:53:44.361" v="112" actId="20577"/>
-          <ac:spMkLst>
-            <pc:docMk/>
-            <pc:sldMk cId="0" sldId="277"/>
-            <ac:spMk id="223" creationId="{00000000-0000-0000-0000-000000000000}"/>
-          </ac:spMkLst>
-        </pc:spChg>
-        <pc:spChg chg="mod">
-          <ac:chgData name="takiyaeastmond@yahoo.com" userId="0b312b01e6158196" providerId="LiveId" clId="{7F2E9675-2C71-4AEA-ACFC-F95C7E345702}" dt="2022-07-15T19:54:03.569" v="113"/>
-          <ac:spMkLst>
-            <pc:docMk/>
-            <pc:sldMk cId="0" sldId="277"/>
-            <ac:spMk id="224" creationId="{00000000-0000-0000-0000-000000000000}"/>
-          </ac:spMkLst>
-        </pc:spChg>
-      </pc:sldChg>
-      <pc:sldChg chg="addSp delSp modSp mod">
-        <pc:chgData name="takiyaeastmond@yahoo.com" userId="0b312b01e6158196" providerId="LiveId" clId="{7F2E9675-2C71-4AEA-ACFC-F95C7E345702}" dt="2022-07-15T20:01:17.002" v="182" actId="1036"/>
-        <pc:sldMkLst>
-          <pc:docMk/>
-          <pc:sldMk cId="0" sldId="278"/>
-        </pc:sldMkLst>
-        <pc:spChg chg="add del mod">
-          <ac:chgData name="takiyaeastmond@yahoo.com" userId="0b312b01e6158196" providerId="LiveId" clId="{7F2E9675-2C71-4AEA-ACFC-F95C7E345702}" dt="2022-07-15T20:00:49.954" v="115" actId="478"/>
-          <ac:spMkLst>
-            <pc:docMk/>
-            <pc:sldMk cId="0" sldId="278"/>
-            <ac:spMk id="3" creationId="{D04729B2-E3F8-B090-B839-3554643C9889}"/>
-          </ac:spMkLst>
-        </pc:spChg>
-        <pc:spChg chg="del">
-          <ac:chgData name="takiyaeastmond@yahoo.com" userId="0b312b01e6158196" providerId="LiveId" clId="{7F2E9675-2C71-4AEA-ACFC-F95C7E345702}" dt="2022-07-15T20:00:47.475" v="114" actId="478"/>
-          <ac:spMkLst>
-            <pc:docMk/>
-            <pc:sldMk cId="0" sldId="278"/>
-            <ac:spMk id="229" creationId="{00000000-0000-0000-0000-000000000000}"/>
-          </ac:spMkLst>
-        </pc:spChg>
-        <pc:picChg chg="add mod">
-          <ac:chgData name="takiyaeastmond@yahoo.com" userId="0b312b01e6158196" providerId="LiveId" clId="{7F2E9675-2C71-4AEA-ACFC-F95C7E345702}" dt="2022-07-15T20:01:17.002" v="182" actId="1036"/>
-          <ac:picMkLst>
-            <pc:docMk/>
-            <pc:sldMk cId="0" sldId="278"/>
-            <ac:picMk id="5" creationId="{4A6091EA-200A-35DD-85F9-FD928BD47A0A}"/>
-          </ac:picMkLst>
-        </pc:picChg>
-      </pc:sldChg>
-    </pc:docChg>
-  </pc:docChgLst>
-</pc:chgInfo>
 </file>
 
 <file path=ppt/notesMasters/notesMaster1.xml><?xml version="1.0" encoding="utf-8"?>
@@ -1159,8 +1065,8 @@
         </p:nvSpPr>
         <p:spPr>
           <a:xfrm>
-            <a:off x="1143225" y="685800"/>
-            <a:ext cx="4572300" cy="3429000"/>
+            <a:off x="381000" y="685800"/>
+            <a:ext cx="6096000" cy="3429000"/>
           </a:xfrm>
           <a:custGeom>
             <a:avLst/>
@@ -1367,8 +1273,8 @@
         </p:nvSpPr>
         <p:spPr>
           <a:xfrm>
-            <a:off x="1143225" y="685800"/>
-            <a:ext cx="4572300" cy="3429000"/>
+            <a:off x="381000" y="685800"/>
+            <a:ext cx="6096000" cy="3429000"/>
           </a:xfrm>
           <a:custGeom>
             <a:avLst/>
@@ -1471,8 +1377,8 @@
         </p:nvSpPr>
         <p:spPr>
           <a:xfrm>
-            <a:off x="1143225" y="685800"/>
-            <a:ext cx="4572300" cy="3429000"/>
+            <a:off x="381000" y="685800"/>
+            <a:ext cx="6096000" cy="3429000"/>
           </a:xfrm>
           <a:custGeom>
             <a:avLst/>
@@ -1575,8 +1481,8 @@
         </p:nvSpPr>
         <p:spPr>
           <a:xfrm>
-            <a:off x="1143225" y="685800"/>
-            <a:ext cx="4572300" cy="3429000"/>
+            <a:off x="381000" y="685800"/>
+            <a:ext cx="6096000" cy="3429000"/>
           </a:xfrm>
           <a:custGeom>
             <a:avLst/>
@@ -1679,8 +1585,8 @@
         </p:nvSpPr>
         <p:spPr>
           <a:xfrm>
-            <a:off x="1143225" y="685800"/>
-            <a:ext cx="4572300" cy="3429000"/>
+            <a:off x="381000" y="685800"/>
+            <a:ext cx="6096000" cy="3429000"/>
           </a:xfrm>
           <a:custGeom>
             <a:avLst/>
@@ -1887,8 +1793,8 @@
         </p:nvSpPr>
         <p:spPr>
           <a:xfrm>
-            <a:off x="1143225" y="685800"/>
-            <a:ext cx="4572300" cy="3429000"/>
+            <a:off x="381000" y="685800"/>
+            <a:ext cx="6096000" cy="3429000"/>
           </a:xfrm>
           <a:custGeom>
             <a:avLst/>
@@ -3135,8 +3041,8 @@
         </p:nvSpPr>
         <p:spPr>
           <a:xfrm>
-            <a:off x="1143225" y="685800"/>
-            <a:ext cx="4572300" cy="3429000"/>
+            <a:off x="381000" y="685800"/>
+            <a:ext cx="6096000" cy="3429000"/>
           </a:xfrm>
           <a:custGeom>
             <a:avLst/>
@@ -15455,8 +15361,8 @@
         </p:nvSpPr>
         <p:spPr>
           <a:xfrm>
-            <a:off x="9066350" y="5703075"/>
-            <a:ext cx="1198200" cy="400200"/>
+            <a:off x="7497526" y="5703075"/>
+            <a:ext cx="3545832" cy="584745"/>
           </a:xfrm>
           <a:prstGeom prst="rect">
             <a:avLst/>
@@ -15472,50 +15378,48 @@
           </a:bodyPr>
           <a:lstStyle/>
           <a:p>
-            <a:pPr marL="0" lvl="0" indent="0" algn="l" rtl="0">
-              <a:spcBef>
-                <a:spcPts val="0"/>
-              </a:spcBef>
-              <a:spcAft>
-                <a:spcPts val="0"/>
-              </a:spcAft>
-              <a:buNone/>
-            </a:pPr>
+            <a:pPr lvl="1"/>
             <a:r>
-              <a:rPr lang="en-US">
-                <a:latin typeface="Calibri"/>
-                <a:ea typeface="Calibri"/>
-                <a:cs typeface="Calibri"/>
+              <a:rPr lang="en-US" sz="1200" dirty="0">
                 <a:sym typeface="Calibri"/>
               </a:rPr>
-              <a:t>Abalone farm</a:t>
+              <a:t>A Pascal's Triangle Fibonacci Sequence Mapping</a:t>
             </a:r>
-            <a:endParaRPr>
+            <a:endParaRPr lang="en-US" sz="1200" dirty="0"/>
+          </a:p>
+          <a:p>
+            <a:pPr marL="0" lvl="0" indent="0" algn="l">
+              <a:spcBef>
+                <a:spcPts val="0"/>
+              </a:spcBef>
+              <a:spcAft>
+                <a:spcPts val="0"/>
+              </a:spcAft>
+              <a:buNone/>
+            </a:pPr>
+            <a:endParaRPr lang="en-US" dirty="0">
               <a:latin typeface="Calibri"/>
               <a:ea typeface="Calibri"/>
               <a:cs typeface="Calibri"/>
-              <a:sym typeface="Calibri"/>
             </a:endParaRPr>
           </a:p>
         </p:txBody>
       </p:sp>
       <p:pic>
         <p:nvPicPr>
-          <p:cNvPr id="95" name="Google Shape;95;p2"/>
+          <p:cNvPr id="95" name="Google Shape;95;p2" descr="Diagram&#10;&#10;Description automatically generated"/>
           <p:cNvPicPr preferRelativeResize="0"/>
           <p:nvPr/>
         </p:nvPicPr>
         <p:blipFill rotWithShape="1">
-          <a:blip r:embed="rId3">
-            <a:alphaModFix/>
-          </a:blip>
-          <a:srcRect r="1768"/>
+          <a:blip r:embed="rId3"/>
+          <a:srcRect t="-206" r="94" b="103"/>
           <a:stretch/>
         </p:blipFill>
         <p:spPr>
           <a:xfrm>
-            <a:off x="5488957" y="2007375"/>
-            <a:ext cx="5941793" cy="3402374"/>
+            <a:off x="6531104" y="1581551"/>
+            <a:ext cx="4434608" cy="4070564"/>
           </a:xfrm>
           <a:prstGeom prst="rect">
             <a:avLst/>
@@ -15624,13 +15528,13 @@
         </p:spPr>
         <p:txBody>
           <a:bodyPr spcFirstLastPara="1" wrap="square" lIns="91425" tIns="45700" rIns="91425" bIns="45700" anchor="t" anchorCtr="0">
-            <a:normAutofit/>
+            <a:normAutofit fontScale="92500"/>
           </a:bodyPr>
           <a:lstStyle/>
           <a:p>
             <a:pPr marL="457200" lvl="0" indent="-381000" algn="l" rtl="0">
               <a:lnSpc>
-                <a:spcPct val="80000"/>
+                <a:spcPct val="100000"/>
               </a:lnSpc>
               <a:spcBef>
                 <a:spcPts val="0"/>
@@ -15660,49 +15564,47 @@
               </a:rPr>
               <a:t>A real-life situation that this sequence can be applied to is to estimate the time it takes to complete a task.</a:t>
             </a:r>
+            <a:endParaRPr lang="en-US" sz="2400" dirty="0">
+              <a:solidFill>
+                <a:srgbClr val="212121"/>
+              </a:solidFill>
+              <a:highlight>
+                <a:srgbClr val="FFFFFF"/>
+              </a:highlight>
+              <a:latin typeface="Times New Roman"/>
+              <a:ea typeface="Times New Roman"/>
+              <a:cs typeface="Times New Roman"/>
+            </a:endParaRPr>
+          </a:p>
+          <a:p>
+            <a:pPr marL="457200" lvl="0" indent="0" algn="l" rtl="0">
+              <a:lnSpc>
+                <a:spcPct val="100000"/>
+              </a:lnSpc>
+              <a:spcBef>
+                <a:spcPts val="0"/>
+              </a:spcBef>
+              <a:spcAft>
+                <a:spcPts val="0"/>
+              </a:spcAft>
+              <a:buNone/>
+            </a:pPr>
             <a:endParaRPr sz="2400" dirty="0">
               <a:solidFill>
                 <a:srgbClr val="212121"/>
               </a:solidFill>
               <a:highlight>
-                <a:schemeClr val="lt1"/>
+                <a:srgbClr val="FFFFFF"/>
               </a:highlight>
               <a:latin typeface="Times New Roman"/>
               <a:ea typeface="Times New Roman"/>
               <a:cs typeface="Times New Roman"/>
-              <a:sym typeface="Times New Roman"/>
             </a:endParaRPr>
           </a:p>
           <a:p>
-            <a:pPr marL="457200" lvl="0" indent="0" algn="l" rtl="0">
-              <a:lnSpc>
-                <a:spcPct val="80000"/>
-              </a:lnSpc>
-              <a:spcBef>
-                <a:spcPts val="0"/>
-              </a:spcBef>
-              <a:spcAft>
-                <a:spcPts val="0"/>
-              </a:spcAft>
-              <a:buNone/>
-            </a:pPr>
-            <a:endParaRPr sz="2400" dirty="0">
-              <a:solidFill>
-                <a:srgbClr val="212121"/>
-              </a:solidFill>
-              <a:highlight>
-                <a:schemeClr val="lt1"/>
-              </a:highlight>
-              <a:latin typeface="Times New Roman"/>
-              <a:ea typeface="Times New Roman"/>
-              <a:cs typeface="Times New Roman"/>
-              <a:sym typeface="Times New Roman"/>
-            </a:endParaRPr>
-          </a:p>
-          <a:p>
             <a:pPr marL="457200" lvl="0" indent="-381000" algn="l" rtl="0">
               <a:lnSpc>
-                <a:spcPct val="80000"/>
+                <a:spcPct val="100000"/>
               </a:lnSpc>
               <a:spcBef>
                 <a:spcPts val="0"/>
@@ -15737,18 +15639,17 @@
                 <a:srgbClr val="212121"/>
               </a:solidFill>
               <a:highlight>
-                <a:schemeClr val="lt1"/>
+                <a:srgbClr val="FFFFFF"/>
               </a:highlight>
               <a:latin typeface="Times New Roman"/>
               <a:ea typeface="Times New Roman"/>
               <a:cs typeface="Times New Roman"/>
-              <a:sym typeface="Times New Roman"/>
             </a:endParaRPr>
           </a:p>
           <a:p>
             <a:pPr marL="457200" lvl="0" indent="0" algn="l" rtl="0">
               <a:lnSpc>
-                <a:spcPct val="80000"/>
+                <a:spcPct val="100000"/>
               </a:lnSpc>
               <a:spcBef>
                 <a:spcPts val="0"/>
@@ -15763,18 +15664,17 @@
                 <a:srgbClr val="212121"/>
               </a:solidFill>
               <a:highlight>
-                <a:schemeClr val="lt1"/>
+                <a:srgbClr val="FFFFFF"/>
               </a:highlight>
               <a:latin typeface="Times New Roman"/>
               <a:ea typeface="Times New Roman"/>
               <a:cs typeface="Times New Roman"/>
-              <a:sym typeface="Times New Roman"/>
             </a:endParaRPr>
           </a:p>
           <a:p>
             <a:pPr marL="457200" lvl="0" indent="-381000" algn="l" rtl="0">
               <a:lnSpc>
-                <a:spcPct val="80000"/>
+                <a:spcPct val="100000"/>
               </a:lnSpc>
               <a:spcBef>
                 <a:spcPts val="0"/>
@@ -15809,12 +15709,11 @@
                 <a:srgbClr val="212121"/>
               </a:solidFill>
               <a:highlight>
-                <a:schemeClr val="lt1"/>
+                <a:srgbClr val="FFFFFF"/>
               </a:highlight>
               <a:latin typeface="Times New Roman"/>
               <a:ea typeface="Times New Roman"/>
               <a:cs typeface="Times New Roman"/>
-              <a:sym typeface="Times New Roman"/>
             </a:endParaRPr>
           </a:p>
           <a:p>
@@ -15867,22 +15766,20 @@
       </p:sp>
       <p:pic>
         <p:nvPicPr>
-          <p:cNvPr id="102" name="Google Shape;102;ge6667f1a9f_1_29"/>
+          <p:cNvPr id="102" name="Google Shape;102;ge6667f1a9f_1_29" descr="A person writing on a whiteboard&#10;&#10;Description automatically generated"/>
           <p:cNvPicPr preferRelativeResize="0"/>
           <p:nvPr/>
         </p:nvPicPr>
         <p:blipFill>
-          <a:blip r:embed="rId3">
-            <a:alphaModFix/>
-          </a:blip>
+          <a:blip r:embed="rId3"/>
           <a:stretch>
             <a:fillRect/>
           </a:stretch>
         </p:blipFill>
         <p:spPr>
           <a:xfrm>
-            <a:off x="6238025" y="2351311"/>
-            <a:ext cx="5566225" cy="3117075"/>
+            <a:off x="6323964" y="2351311"/>
+            <a:ext cx="5394347" cy="3117075"/>
           </a:xfrm>
           <a:prstGeom prst="rect">
             <a:avLst/>
@@ -15982,8 +15879,8 @@
         </p:nvSpPr>
         <p:spPr>
           <a:xfrm>
-            <a:off x="838200" y="1653350"/>
-            <a:ext cx="4737000" cy="4238400"/>
+            <a:off x="838200" y="1541292"/>
+            <a:ext cx="4882676" cy="4350458"/>
           </a:xfrm>
           <a:prstGeom prst="rect">
             <a:avLst/>
@@ -15991,26 +15888,20 @@
         </p:spPr>
         <p:txBody>
           <a:bodyPr spcFirstLastPara="1" wrap="square" lIns="91425" tIns="45700" rIns="91425" bIns="45700" anchor="t" anchorCtr="0">
-            <a:normAutofit lnSpcReduction="10000"/>
+            <a:normAutofit fontScale="77500" lnSpcReduction="20000"/>
           </a:bodyPr>
           <a:lstStyle/>
           <a:p>
-            <a:pPr marL="457200" lvl="0" indent="-380365" algn="l" rtl="0">
-              <a:lnSpc>
-                <a:spcPct val="70000"/>
-              </a:lnSpc>
-              <a:spcBef>
-                <a:spcPts val="1000"/>
-              </a:spcBef>
-              <a:spcAft>
-                <a:spcPts val="0"/>
-              </a:spcAft>
+            <a:pPr indent="-380365">
+              <a:lnSpc>
+                <a:spcPct val="120000"/>
+              </a:lnSpc>
               <a:buSzPts val="2390"/>
               <a:buFont typeface="Times New Roman"/>
               <a:buChar char="•"/>
             </a:pPr>
             <a:r>
-              <a:rPr lang="en-US" sz="2390">
+              <a:rPr lang="en-US" sz="2350" dirty="0">
                 <a:solidFill>
                   <a:srgbClr val="212121"/>
                 </a:solidFill>
@@ -16022,145 +15913,131 @@
                 <a:cs typeface="Times New Roman"/>
                 <a:sym typeface="Times New Roman"/>
               </a:rPr>
-              <a:t>An abalone’s age can be determined by cutting the shell and counting the number of rings.</a:t>
+              <a:t>Fibonacci's sequence can be determined through handwritten mathematical</a:t>
             </a:r>
             <a:r>
-              <a:rPr lang="en-US" sz="2390">
+              <a:rPr lang="en-US" sz="2350" dirty="0">
+                <a:solidFill>
+                  <a:srgbClr val="212121"/>
+                </a:solidFill>
+                <a:highlight>
+                  <a:srgbClr val="FFFFFF"/>
+                </a:highlight>
                 <a:latin typeface="Times New Roman"/>
                 <a:ea typeface="Times New Roman"/>
                 <a:cs typeface="Times New Roman"/>
                 <a:sym typeface="Times New Roman"/>
               </a:rPr>
-              <a:t>This method is long and expensive.</a:t>
+              <a:t> equations</a:t>
             </a:r>
-            <a:endParaRPr sz="2390">
-              <a:latin typeface="Times New Roman"/>
-              <a:ea typeface="Times New Roman"/>
-              <a:cs typeface="Times New Roman"/>
-              <a:sym typeface="Times New Roman"/>
-            </a:endParaRPr>
-          </a:p>
-          <a:p>
-            <a:pPr marL="457200" lvl="0" indent="0" algn="l" rtl="0">
-              <a:lnSpc>
-                <a:spcPct val="70000"/>
-              </a:lnSpc>
-              <a:spcBef>
-                <a:spcPts val="1000"/>
-              </a:spcBef>
-              <a:spcAft>
-                <a:spcPts val="0"/>
-              </a:spcAft>
-              <a:buNone/>
-            </a:pPr>
-            <a:endParaRPr sz="2390">
-              <a:latin typeface="Times New Roman"/>
-              <a:ea typeface="Times New Roman"/>
-              <a:cs typeface="Times New Roman"/>
-              <a:sym typeface="Times New Roman"/>
-            </a:endParaRPr>
-          </a:p>
-          <a:p>
-            <a:pPr marL="457200" lvl="0" indent="-380365" algn="l" rtl="0">
-              <a:lnSpc>
-                <a:spcPct val="70000"/>
-              </a:lnSpc>
-              <a:spcBef>
-                <a:spcPts val="1000"/>
-              </a:spcBef>
-              <a:spcAft>
-                <a:spcPts val="0"/>
-              </a:spcAft>
-              <a:buSzPts val="2390"/>
-              <a:buFont typeface="Times New Roman"/>
-              <a:buChar char="•"/>
-            </a:pPr>
             <a:r>
-              <a:rPr lang="en-US" sz="2390">
+              <a:rPr lang="en-US" sz="2350" dirty="0">
                 <a:latin typeface="Times New Roman"/>
                 <a:ea typeface="Times New Roman"/>
                 <a:cs typeface="Times New Roman"/>
                 <a:sym typeface="Times New Roman"/>
               </a:rPr>
-              <a:t>The goal of our project is create a model that determines abalone age fast, cheaply, and accurately. </a:t>
+              <a:t>. This method is tedious and leaves room for great error.</a:t>
             </a:r>
+            <a:endParaRPr lang="en-US" sz="2350" dirty="0">
+              <a:latin typeface="Times New Roman"/>
+              <a:ea typeface="Times New Roman"/>
+              <a:cs typeface="Times New Roman"/>
+            </a:endParaRPr>
+          </a:p>
+          <a:p>
+            <a:pPr marL="457200" lvl="0" indent="0" algn="l" rtl="0">
+              <a:lnSpc>
+                <a:spcPct val="120000"/>
+              </a:lnSpc>
+              <a:spcAft>
+                <a:spcPts val="0"/>
+              </a:spcAft>
+              <a:buNone/>
+            </a:pPr>
             <a:endParaRPr sz="2390">
               <a:latin typeface="Times New Roman"/>
               <a:ea typeface="Times New Roman"/>
               <a:cs typeface="Times New Roman"/>
-              <a:sym typeface="Times New Roman"/>
             </a:endParaRPr>
           </a:p>
           <a:p>
-            <a:pPr marL="457200" lvl="0" indent="0" algn="l" rtl="0">
-              <a:lnSpc>
-                <a:spcPct val="70000"/>
-              </a:lnSpc>
-              <a:spcBef>
-                <a:spcPts val="1000"/>
-              </a:spcBef>
-              <a:spcAft>
-                <a:spcPts val="0"/>
-              </a:spcAft>
+            <a:pPr indent="-380365">
+              <a:lnSpc>
+                <a:spcPct val="120000"/>
+              </a:lnSpc>
+              <a:buSzPts val="2390"/>
+              <a:buFont typeface="Times New Roman"/>
+              <a:buChar char="•"/>
+            </a:pPr>
+            <a:r>
+              <a:rPr lang="en-US" sz="2350" dirty="0">
+                <a:latin typeface="Times New Roman"/>
+                <a:ea typeface="Times New Roman"/>
+                <a:cs typeface="Times New Roman"/>
+              </a:rPr>
+              <a:t>The goal of our project was to create a model that determines Fibonacci's sequence quickly, and accurately. </a:t>
+            </a:r>
+            <a:endParaRPr lang="en-US" sz="2350">
+              <a:latin typeface="Times New Roman"/>
+              <a:ea typeface="Times New Roman"/>
+              <a:cs typeface="Times New Roman"/>
+            </a:endParaRPr>
+          </a:p>
+          <a:p>
+            <a:pPr indent="0">
+              <a:lnSpc>
+                <a:spcPct val="120000"/>
+              </a:lnSpc>
               <a:buNone/>
             </a:pPr>
             <a:endParaRPr sz="2390">
               <a:latin typeface="Times New Roman"/>
               <a:ea typeface="Times New Roman"/>
               <a:cs typeface="Times New Roman"/>
-              <a:sym typeface="Times New Roman"/>
             </a:endParaRPr>
           </a:p>
           <a:p>
-            <a:pPr marL="457200" lvl="0" indent="-380365" algn="l" rtl="0">
-              <a:lnSpc>
-                <a:spcPct val="70000"/>
-              </a:lnSpc>
-              <a:spcBef>
-                <a:spcPts val="1000"/>
-              </a:spcBef>
-              <a:spcAft>
-                <a:spcPts val="0"/>
-              </a:spcAft>
+            <a:pPr indent="-380365">
+              <a:lnSpc>
+                <a:spcPct val="120000"/>
+              </a:lnSpc>
               <a:buSzPts val="2390"/>
               <a:buFont typeface="Times New Roman"/>
               <a:buChar char="•"/>
             </a:pPr>
             <a:r>
-              <a:rPr lang="en-US" sz="2390">
+              <a:rPr lang="en-US" sz="2350" dirty="0">
                 <a:latin typeface="Times New Roman"/>
                 <a:ea typeface="Times New Roman"/>
                 <a:cs typeface="Times New Roman"/>
                 <a:sym typeface="Times New Roman"/>
               </a:rPr>
-              <a:t>We will construct a Gaussian Naive Bayes Classifier model to predict abalone age based on physical traits. </a:t>
+              <a:t>We will construct a recurring neural network (RNN) model to predict Fibonacci's sequence based on a predetermined sequence of data. </a:t>
             </a:r>
-            <a:endParaRPr sz="2390">
+            <a:endParaRPr sz="2390" dirty="0">
               <a:latin typeface="Times New Roman"/>
               <a:ea typeface="Times New Roman"/>
               <a:cs typeface="Times New Roman"/>
-              <a:sym typeface="Times New Roman"/>
             </a:endParaRPr>
           </a:p>
         </p:txBody>
       </p:sp>
       <p:pic>
         <p:nvPicPr>
-          <p:cNvPr id="109" name="Google Shape;109;gb822e9ee90_0_1"/>
+          <p:cNvPr id="109" name="Google Shape;109;gb822e9ee90_0_1" descr="Diagram&#10;&#10;Description automatically generated"/>
           <p:cNvPicPr preferRelativeResize="0"/>
           <p:nvPr/>
         </p:nvPicPr>
         <p:blipFill rotWithShape="1">
-          <a:blip r:embed="rId3">
-            <a:alphaModFix/>
-          </a:blip>
-          <a:srcRect l="3428" t="2235" b="7609"/>
+          <a:blip r:embed="rId3"/>
+          <a:srcRect t="95" r="-117" b="95"/>
           <a:stretch/>
         </p:blipFill>
         <p:spPr>
           <a:xfrm>
-            <a:off x="6131650" y="2137398"/>
-            <a:ext cx="4782675" cy="2856750"/>
+            <a:off x="6966489" y="1509869"/>
+            <a:ext cx="3807770" cy="4691458"/>
           </a:xfrm>
           <a:prstGeom prst="rect">
             <a:avLst/>
